--- a/Metrics.pptx
+++ b/Metrics.pptx
@@ -6,7 +6,8 @@
   </p:sldMasterIdLst>
   <p:sldIdLst>
     <p:sldId id="258" r:id="rId2"/>
-    <p:sldId id="257" r:id="rId3"/>
+    <p:sldId id="259" r:id="rId3"/>
+    <p:sldId id="257" r:id="rId4"/>
   </p:sldIdLst>
   <p:sldSz cx="12192000" cy="6858000"/>
   <p:notesSz cx="6858000" cy="9144000"/>
@@ -105,6 +106,11 @@
       </a:defRPr>
     </a:lvl9pPr>
   </p:defaultTextStyle>
+  <p:extLst>
+    <p:ext uri="{EFAFB233-063F-42B5-8137-9DF3F51BA10A}">
+      <p15:sldGuideLst xmlns:p15="http://schemas.microsoft.com/office/powerpoint/2012/main"/>
+    </p:ext>
+  </p:extLst>
 </p:presentation>
 </file>
 
@@ -192,7 +198,7 @@
           <c:layoutTarget val="inner"/>
           <c:xMode val="edge"/>
           <c:yMode val="edge"/>
-          <c:x val="8.0125335150793453E-2"/>
+          <c:x val="8.5514907897718637E-2"/>
           <c:y val="0.23042616758199311"/>
           <c:w val="0.89023201474111802"/>
           <c:h val="0.44832824681304473"/>
@@ -6338,7 +6344,7 @@
           <p:nvPr>
             <p:extLst>
               <p:ext uri="{D42A27DB-BD31-4B8C-83A1-F6EECF244321}">
-                <p14:modId xmlns:p14="http://schemas.microsoft.com/office/powerpoint/2010/main" val="938571664"/>
+                <p14:modId xmlns:p14="http://schemas.microsoft.com/office/powerpoint/2010/main" val="3680989842"/>
               </p:ext>
             </p:extLst>
           </p:nvPr>
@@ -6407,6 +6413,386 @@
 </file>
 
 <file path=ppt/slides/slide2.xml><?xml version="1.0" encoding="utf-8"?>
+<p:sld xmlns:a="http://schemas.openxmlformats.org/drawingml/2006/main" xmlns:r="http://schemas.openxmlformats.org/officeDocument/2006/relationships" xmlns:p="http://schemas.openxmlformats.org/presentationml/2006/main">
+  <p:cSld>
+    <p:bg>
+      <p:bgPr>
+        <a:solidFill>
+          <a:schemeClr val="bg1"/>
+        </a:solidFill>
+        <a:effectLst/>
+      </p:bgPr>
+    </p:bg>
+    <p:spTree>
+      <p:nvGrpSpPr>
+        <p:cNvPr id="1" name=""/>
+        <p:cNvGrpSpPr/>
+        <p:nvPr/>
+      </p:nvGrpSpPr>
+      <p:grpSpPr>
+        <a:xfrm>
+          <a:off x="0" y="0"/>
+          <a:ext cx="0" cy="0"/>
+          <a:chOff x="0" y="0"/>
+          <a:chExt cx="0" cy="0"/>
+        </a:xfrm>
+      </p:grpSpPr>
+      <p:pic>
+        <p:nvPicPr>
+          <p:cNvPr id="8" name="Picture 7" descr="A picture containing chart&#10;&#10;Description automatically generated">
+            <a:extLst>
+              <a:ext uri="{FF2B5EF4-FFF2-40B4-BE49-F238E27FC236}">
+                <a16:creationId xmlns:a16="http://schemas.microsoft.com/office/drawing/2014/main" id="{27CEE570-56BF-B6A0-4C69-7573E592122E}"/>
+              </a:ext>
+            </a:extLst>
+          </p:cNvPr>
+          <p:cNvPicPr>
+            <a:picLocks noChangeAspect="1"/>
+          </p:cNvPicPr>
+          <p:nvPr/>
+        </p:nvPicPr>
+        <p:blipFill>
+          <a:blip r:embed="rId2">
+            <a:extLst>
+              <a:ext uri="{28A0092B-C50C-407E-A947-70E740481C1C}">
+                <a14:useLocalDpi xmlns:a14="http://schemas.microsoft.com/office/drawing/2010/main" val="0"/>
+              </a:ext>
+            </a:extLst>
+          </a:blip>
+          <a:stretch>
+            <a:fillRect/>
+          </a:stretch>
+        </p:blipFill>
+        <p:spPr>
+          <a:xfrm>
+            <a:off x="484632" y="2828017"/>
+            <a:ext cx="3517119" cy="1195820"/>
+          </a:xfrm>
+          <a:prstGeom prst="rect">
+            <a:avLst/>
+          </a:prstGeom>
+        </p:spPr>
+      </p:pic>
+      <p:cxnSp>
+        <p:nvCxnSpPr>
+          <p:cNvPr id="13" name="Straight Connector 12">
+            <a:extLst>
+              <a:ext uri="{FF2B5EF4-FFF2-40B4-BE49-F238E27FC236}">
+                <a16:creationId xmlns:a16="http://schemas.microsoft.com/office/drawing/2014/main" id="{DCD67800-37AC-4E14-89B0-F79DCB3FB86D}"/>
+              </a:ext>
+              <a:ext uri="{C183D7F6-B498-43B3-948B-1728B52AA6E4}">
+                <adec:decorative xmlns:adec="http://schemas.microsoft.com/office/drawing/2017/decorative" val="1"/>
+              </a:ext>
+            </a:extLst>
+          </p:cNvPr>
+          <p:cNvCxnSpPr>
+            <a:cxnSpLocks noGrp="1" noRot="1" noChangeAspect="1" noMove="1" noResize="1" noEditPoints="1" noAdjustHandles="1" noChangeArrowheads="1" noChangeShapeType="1"/>
+          </p:cNvCxnSpPr>
+          <p:nvPr>
+            <p:extLst>
+              <p:ext uri="{386F3935-93C4-4BCD-93E2-E3B085C9AB24}">
+                <p16:designElem xmlns:p16="http://schemas.microsoft.com/office/powerpoint/2015/main" val="1"/>
+              </p:ext>
+            </p:extLst>
+          </p:nvPr>
+        </p:nvCxnSpPr>
+        <p:spPr>
+          <a:xfrm>
+            <a:off x="4165600" y="1573887"/>
+            <a:ext cx="0" cy="3710227"/>
+          </a:xfrm>
+          <a:prstGeom prst="line">
+            <a:avLst/>
+          </a:prstGeom>
+          <a:ln w="19050">
+            <a:solidFill>
+              <a:srgbClr val="7F7F7F"/>
+            </a:solidFill>
+          </a:ln>
+        </p:spPr>
+        <p:style>
+          <a:lnRef idx="1">
+            <a:schemeClr val="accent1"/>
+          </a:lnRef>
+          <a:fillRef idx="0">
+            <a:schemeClr val="accent1"/>
+          </a:fillRef>
+          <a:effectRef idx="0">
+            <a:schemeClr val="accent1"/>
+          </a:effectRef>
+          <a:fontRef idx="minor">
+            <a:schemeClr val="tx1"/>
+          </a:fontRef>
+        </p:style>
+      </p:cxnSp>
+      <p:pic>
+        <p:nvPicPr>
+          <p:cNvPr id="6" name="Picture 5" descr="A picture containing shape&#10;&#10;Description automatically generated">
+            <a:extLst>
+              <a:ext uri="{FF2B5EF4-FFF2-40B4-BE49-F238E27FC236}">
+                <a16:creationId xmlns:a16="http://schemas.microsoft.com/office/drawing/2014/main" id="{DE2D59B7-893D-F27A-808D-F237B0B6D823}"/>
+              </a:ext>
+            </a:extLst>
+          </p:cNvPr>
+          <p:cNvPicPr>
+            <a:picLocks noChangeAspect="1"/>
+          </p:cNvPicPr>
+          <p:nvPr/>
+        </p:nvPicPr>
+        <p:blipFill>
+          <a:blip r:embed="rId3">
+            <a:extLst>
+              <a:ext uri="{28A0092B-C50C-407E-A947-70E740481C1C}">
+                <a14:useLocalDpi xmlns:a14="http://schemas.microsoft.com/office/drawing/2010/main" val="0"/>
+              </a:ext>
+            </a:extLst>
+          </a:blip>
+          <a:stretch>
+            <a:fillRect/>
+          </a:stretch>
+        </p:blipFill>
+        <p:spPr>
+          <a:xfrm>
+            <a:off x="4310676" y="2829000"/>
+            <a:ext cx="3537345" cy="1193854"/>
+          </a:xfrm>
+          <a:prstGeom prst="rect">
+            <a:avLst/>
+          </a:prstGeom>
+        </p:spPr>
+      </p:pic>
+      <p:cxnSp>
+        <p:nvCxnSpPr>
+          <p:cNvPr id="15" name="Straight Connector 14">
+            <a:extLst>
+              <a:ext uri="{FF2B5EF4-FFF2-40B4-BE49-F238E27FC236}">
+                <a16:creationId xmlns:a16="http://schemas.microsoft.com/office/drawing/2014/main" id="{20F1788F-A5AE-4188-8274-F7F2E3833ECD}"/>
+              </a:ext>
+              <a:ext uri="{C183D7F6-B498-43B3-948B-1728B52AA6E4}">
+                <adec:decorative xmlns:adec="http://schemas.microsoft.com/office/drawing/2017/decorative" val="1"/>
+              </a:ext>
+            </a:extLst>
+          </p:cNvPr>
+          <p:cNvCxnSpPr>
+            <a:cxnSpLocks noGrp="1" noRot="1" noChangeAspect="1" noMove="1" noResize="1" noEditPoints="1" noAdjustHandles="1" noChangeArrowheads="1" noChangeShapeType="1"/>
+          </p:cNvCxnSpPr>
+          <p:nvPr>
+            <p:extLst>
+              <p:ext uri="{386F3935-93C4-4BCD-93E2-E3B085C9AB24}">
+                <p16:designElem xmlns:p16="http://schemas.microsoft.com/office/powerpoint/2015/main" val="1"/>
+              </p:ext>
+            </p:extLst>
+          </p:nvPr>
+        </p:nvCxnSpPr>
+        <p:spPr>
+          <a:xfrm>
+            <a:off x="7995920" y="1573887"/>
+            <a:ext cx="0" cy="3710227"/>
+          </a:xfrm>
+          <a:prstGeom prst="line">
+            <a:avLst/>
+          </a:prstGeom>
+          <a:ln w="19050">
+            <a:solidFill>
+              <a:srgbClr val="7F7F7F"/>
+            </a:solidFill>
+          </a:ln>
+        </p:spPr>
+        <p:style>
+          <a:lnRef idx="1">
+            <a:schemeClr val="accent1"/>
+          </a:lnRef>
+          <a:fillRef idx="0">
+            <a:schemeClr val="accent1"/>
+          </a:fillRef>
+          <a:effectRef idx="0">
+            <a:schemeClr val="accent1"/>
+          </a:effectRef>
+          <a:fontRef idx="minor">
+            <a:schemeClr val="tx1"/>
+          </a:fontRef>
+        </p:style>
+      </p:cxnSp>
+      <p:pic>
+        <p:nvPicPr>
+          <p:cNvPr id="4" name="Picture 3" descr="A picture containing chart&#10;&#10;Description automatically generated">
+            <a:extLst>
+              <a:ext uri="{FF2B5EF4-FFF2-40B4-BE49-F238E27FC236}">
+                <a16:creationId xmlns:a16="http://schemas.microsoft.com/office/drawing/2014/main" id="{68945AB1-9E84-A67F-E7D5-78D66D27E01A}"/>
+              </a:ext>
+            </a:extLst>
+          </p:cNvPr>
+          <p:cNvPicPr>
+            <a:picLocks noChangeAspect="1"/>
+          </p:cNvPicPr>
+          <p:nvPr/>
+        </p:nvPicPr>
+        <p:blipFill>
+          <a:blip r:embed="rId4">
+            <a:extLst>
+              <a:ext uri="{28A0092B-C50C-407E-A947-70E740481C1C}">
+                <a14:useLocalDpi xmlns:a14="http://schemas.microsoft.com/office/drawing/2010/main" val="0"/>
+              </a:ext>
+            </a:extLst>
+          </a:blip>
+          <a:stretch>
+            <a:fillRect/>
+          </a:stretch>
+        </p:blipFill>
+        <p:spPr>
+          <a:xfrm>
+            <a:off x="8162336" y="2828018"/>
+            <a:ext cx="3517120" cy="1195820"/>
+          </a:xfrm>
+          <a:prstGeom prst="rect">
+            <a:avLst/>
+          </a:prstGeom>
+        </p:spPr>
+      </p:pic>
+      <p:sp>
+        <p:nvSpPr>
+          <p:cNvPr id="9" name="TextBox 8">
+            <a:extLst>
+              <a:ext uri="{FF2B5EF4-FFF2-40B4-BE49-F238E27FC236}">
+                <a16:creationId xmlns:a16="http://schemas.microsoft.com/office/drawing/2014/main" id="{B2007F40-C19A-02A7-41F8-224B51D24F36}"/>
+              </a:ext>
+            </a:extLst>
+          </p:cNvPr>
+          <p:cNvSpPr txBox="1"/>
+          <p:nvPr/>
+        </p:nvSpPr>
+        <p:spPr>
+          <a:xfrm>
+            <a:off x="8977001" y="1573887"/>
+            <a:ext cx="2370221" cy="400110"/>
+          </a:xfrm>
+          <a:prstGeom prst="rect">
+            <a:avLst/>
+          </a:prstGeom>
+          <a:noFill/>
+        </p:spPr>
+        <p:txBody>
+          <a:bodyPr wrap="square" rtlCol="0">
+            <a:spAutoFit/>
+          </a:bodyPr>
+          <a:lstStyle/>
+          <a:p>
+            <a:pPr algn="ctr"/>
+            <a:r>
+              <a:rPr lang="nl-NL" sz="2000" dirty="0">
+                <a:solidFill>
+                  <a:srgbClr val="C6002A"/>
+                </a:solidFill>
+                <a:latin typeface="Verdana"/>
+              </a:rPr>
+              <a:t>Zinnen:</a:t>
+            </a:r>
+          </a:p>
+        </p:txBody>
+      </p:sp>
+      <p:sp>
+        <p:nvSpPr>
+          <p:cNvPr id="12" name="TextBox 11">
+            <a:extLst>
+              <a:ext uri="{FF2B5EF4-FFF2-40B4-BE49-F238E27FC236}">
+                <a16:creationId xmlns:a16="http://schemas.microsoft.com/office/drawing/2014/main" id="{021777B4-0B40-F257-7E20-2390E050C73E}"/>
+              </a:ext>
+            </a:extLst>
+          </p:cNvPr>
+          <p:cNvSpPr txBox="1"/>
+          <p:nvPr/>
+        </p:nvSpPr>
+        <p:spPr>
+          <a:xfrm>
+            <a:off x="4910889" y="1573887"/>
+            <a:ext cx="2370221" cy="400110"/>
+          </a:xfrm>
+          <a:prstGeom prst="rect">
+            <a:avLst/>
+          </a:prstGeom>
+          <a:noFill/>
+        </p:spPr>
+        <p:txBody>
+          <a:bodyPr wrap="square" rtlCol="0">
+            <a:spAutoFit/>
+          </a:bodyPr>
+          <a:lstStyle>
+            <a:defPPr>
+              <a:defRPr lang="nl-NL"/>
+            </a:defPPr>
+            <a:lvl1pPr>
+              <a:defRPr sz="2000">
+                <a:solidFill>
+                  <a:srgbClr val="C6002A"/>
+                </a:solidFill>
+                <a:latin typeface="Verdana"/>
+              </a:defRPr>
+            </a:lvl1pPr>
+          </a:lstStyle>
+          <a:p>
+            <a:pPr algn="ctr"/>
+            <a:r>
+              <a:rPr lang="nl-NL" dirty="0"/>
+              <a:t>Woorden:</a:t>
+            </a:r>
+          </a:p>
+        </p:txBody>
+      </p:sp>
+      <p:sp>
+        <p:nvSpPr>
+          <p:cNvPr id="14" name="TextBox 13">
+            <a:extLst>
+              <a:ext uri="{FF2B5EF4-FFF2-40B4-BE49-F238E27FC236}">
+                <a16:creationId xmlns:a16="http://schemas.microsoft.com/office/drawing/2014/main" id="{1FAE726C-3A6A-7EC9-8555-700E200D4121}"/>
+              </a:ext>
+            </a:extLst>
+          </p:cNvPr>
+          <p:cNvSpPr txBox="1"/>
+          <p:nvPr/>
+        </p:nvSpPr>
+        <p:spPr>
+          <a:xfrm>
+            <a:off x="1080569" y="1573887"/>
+            <a:ext cx="2370221" cy="1015663"/>
+          </a:xfrm>
+          <a:prstGeom prst="rect">
+            <a:avLst/>
+          </a:prstGeom>
+          <a:noFill/>
+        </p:spPr>
+        <p:txBody>
+          <a:bodyPr wrap="square" rtlCol="0">
+            <a:spAutoFit/>
+          </a:bodyPr>
+          <a:lstStyle/>
+          <a:p>
+            <a:pPr algn="ctr"/>
+            <a:r>
+              <a:rPr lang="nl-NL" sz="2000" dirty="0">
+                <a:solidFill>
+                  <a:srgbClr val="C6002A"/>
+                </a:solidFill>
+                <a:latin typeface="Verdana"/>
+              </a:rPr>
+              <a:t>Woorden zonder neutrale woorden:</a:t>
+            </a:r>
+          </a:p>
+        </p:txBody>
+      </p:sp>
+    </p:spTree>
+    <p:extLst>
+      <p:ext uri="{BB962C8B-B14F-4D97-AF65-F5344CB8AC3E}">
+        <p14:creationId xmlns:p14="http://schemas.microsoft.com/office/powerpoint/2010/main" val="1607234835"/>
+      </p:ext>
+    </p:extLst>
+  </p:cSld>
+  <p:clrMapOvr>
+    <a:masterClrMapping/>
+  </p:clrMapOvr>
+</p:sld>
+</file>
+
+<file path=ppt/slides/slide3.xml><?xml version="1.0" encoding="utf-8"?>
 <p:sld xmlns:a="http://schemas.openxmlformats.org/drawingml/2006/main" xmlns:r="http://schemas.openxmlformats.org/officeDocument/2006/relationships" xmlns:p="http://schemas.openxmlformats.org/presentationml/2006/main">
   <p:cSld>
     <p:spTree>

--- a/Metrics.pptx
+++ b/Metrics.pptx
@@ -148,9 +148,30 @@
               </a:defRPr>
             </a:pPr>
             <a:r>
-              <a:rPr lang="en-US" dirty="0"/>
-              <a:t>Compound</a:t>
-            </a:r>
+              <a:rPr lang="en-US" dirty="0" err="1"/>
+              <a:t>Hoeveelheid</a:t>
+            </a:r>
+            <a:r>
+              <a:rPr lang="en-US" baseline="0" dirty="0"/>
+              <a:t> </a:t>
+            </a:r>
+            <a:r>
+              <a:rPr lang="en-US" baseline="0" dirty="0" err="1"/>
+              <a:t>correcte</a:t>
+            </a:r>
+            <a:r>
+              <a:rPr lang="en-US" baseline="0" dirty="0"/>
+              <a:t> </a:t>
+            </a:r>
+            <a:r>
+              <a:rPr lang="en-US" baseline="0" dirty="0" err="1"/>
+              <a:t>resultaten</a:t>
+            </a:r>
+            <a:r>
+              <a:rPr lang="en-US" baseline="0" dirty="0"/>
+              <a:t> in Sentiment analysis</a:t>
+            </a:r>
+            <a:endParaRPr lang="en-US" dirty="0"/>
           </a:p>
         </c:rich>
       </c:tx>
@@ -158,13 +179,15 @@
         <c:manualLayout>
           <c:xMode val="edge"/>
           <c:yMode val="edge"/>
-          <c:x val="0.37844158169955722"/>
-          <c:y val="2.8660862800746422E-3"/>
+          <c:x val="0.140794312685187"/>
+          <c:y val="2.8660862800746435E-3"/>
         </c:manualLayout>
       </c:layout>
       <c:overlay val="0"/>
       <c:spPr>
-        <a:noFill/>
+        <a:solidFill>
+          <a:schemeClr val="bg1"/>
+        </a:solidFill>
         <a:ln>
           <a:noFill/>
         </a:ln>
@@ -187,7 +210,7 @@
               <a:cs typeface="+mn-cs"/>
             </a:defRPr>
           </a:pPr>
-          <a:endParaRPr lang="nl-NL"/>
+          <a:endParaRPr lang="en-US"/>
         </a:p>
       </c:txPr>
     </c:title>
@@ -217,7 +240,7 @@
               <c:strCache>
                 <c:ptCount val="1"/>
                 <c:pt idx="0">
-                  <c:v>Score</c:v>
+                  <c:v>Percentage</c:v>
                 </c:pt>
               </c:strCache>
             </c:strRef>
@@ -256,16 +279,16 @@
             <c:numRef>
               <c:f>Blad1!$B$2:$B$4</c:f>
               <c:numCache>
-                <c:formatCode>General</c:formatCode>
+                <c:formatCode>0%</c:formatCode>
                 <c:ptCount val="3"/>
                 <c:pt idx="0">
-                  <c:v>1</c:v>
+                  <c:v>0.5</c:v>
                 </c:pt>
                 <c:pt idx="1">
-                  <c:v>0.03</c:v>
+                  <c:v>0.5</c:v>
                 </c:pt>
-                <c:pt idx="2" formatCode="d\-mmm">
-                  <c:v>0.4</c:v>
+                <c:pt idx="2">
+                  <c:v>0.5</c:v>
                 </c:pt>
               </c:numCache>
             </c:numRef>
@@ -329,7 +352,7 @@
                 <a:cs typeface="+mn-cs"/>
               </a:defRPr>
             </a:pPr>
-            <a:endParaRPr lang="nl-NL"/>
+            <a:endParaRPr lang="en-US"/>
           </a:p>
         </c:txPr>
         <c:crossAx val="285577624"/>
@@ -360,7 +383,7 @@
             <a:effectLst/>
           </c:spPr>
         </c:majorGridlines>
-        <c:numFmt formatCode="General" sourceLinked="1"/>
+        <c:numFmt formatCode="0%" sourceLinked="1"/>
         <c:majorTickMark val="none"/>
         <c:minorTickMark val="none"/>
         <c:tickLblPos val="nextTo"/>
@@ -388,7 +411,7 @@
                 <a:cs typeface="+mn-cs"/>
               </a:defRPr>
             </a:pPr>
-            <a:endParaRPr lang="nl-NL"/>
+            <a:endParaRPr lang="en-US"/>
           </a:p>
         </c:txPr>
         <c:crossAx val="285575984"/>
@@ -430,7 +453,7 @@
               <a:cs typeface="+mn-cs"/>
             </a:defRPr>
           </a:pPr>
-          <a:endParaRPr lang="nl-NL"/>
+          <a:endParaRPr lang="en-US"/>
         </a:p>
       </c:txPr>
     </c:legend>
@@ -459,7 +482,7 @@
       <a:pPr>
         <a:defRPr/>
       </a:pPr>
-      <a:endParaRPr lang="nl-NL"/>
+      <a:endParaRPr lang="en-US"/>
     </a:p>
   </c:txPr>
   <c:externalData r:id="rId3">
@@ -542,7 +565,7 @@
               <a:cs typeface="+mn-cs"/>
             </a:defRPr>
           </a:pPr>
-          <a:endParaRPr lang="nl-NL"/>
+          <a:endParaRPr lang="en-US"/>
         </a:p>
       </c:txPr>
     </c:title>
@@ -684,7 +707,7 @@
                 <a:cs typeface="+mn-cs"/>
               </a:defRPr>
             </a:pPr>
-            <a:endParaRPr lang="nl-NL"/>
+            <a:endParaRPr lang="en-US"/>
           </a:p>
         </c:txPr>
         <c:crossAx val="285577624"/>
@@ -743,7 +766,7 @@
                 <a:cs typeface="+mn-cs"/>
               </a:defRPr>
             </a:pPr>
-            <a:endParaRPr lang="nl-NL"/>
+            <a:endParaRPr lang="en-US"/>
           </a:p>
         </c:txPr>
         <c:crossAx val="285575984"/>
@@ -785,7 +808,7 @@
               <a:cs typeface="+mn-cs"/>
             </a:defRPr>
           </a:pPr>
-          <a:endParaRPr lang="nl-NL"/>
+          <a:endParaRPr lang="en-US"/>
         </a:p>
       </c:txPr>
     </c:legend>
@@ -814,7 +837,7 @@
       <a:pPr>
         <a:defRPr/>
       </a:pPr>
-      <a:endParaRPr lang="nl-NL"/>
+      <a:endParaRPr lang="en-US"/>
     </a:p>
   </c:txPr>
   <c:externalData r:id="rId3">
@@ -6344,7 +6367,7 @@
           <p:nvPr>
             <p:extLst>
               <p:ext uri="{D42A27DB-BD31-4B8C-83A1-F6EECF244321}">
-                <p14:modId xmlns:p14="http://schemas.microsoft.com/office/powerpoint/2010/main" val="3680989842"/>
+                <p14:modId xmlns:p14="http://schemas.microsoft.com/office/powerpoint/2010/main" val="1415065084"/>
               </p:ext>
             </p:extLst>
           </p:nvPr>

--- a/Metrics.pptx
+++ b/Metrics.pptx
@@ -7,7 +7,7 @@
   <p:sldIdLst>
     <p:sldId id="258" r:id="rId2"/>
     <p:sldId id="259" r:id="rId3"/>
-    <p:sldId id="257" r:id="rId4"/>
+    <p:sldId id="260" r:id="rId4"/>
   </p:sldIdLst>
   <p:sldSz cx="12192000" cy="6858000"/>
   <p:notesSz cx="6858000" cy="9144000"/>
@@ -595,7 +595,7 @@
               <c:strCache>
                 <c:ptCount val="1"/>
                 <c:pt idx="0">
-                  <c:v>Tijd (in minuten)</c:v>
+                  <c:v>Sudoku 1</c:v>
                 </c:pt>
               </c:strCache>
             </c:strRef>
@@ -637,7 +637,7 @@
                 <c:formatCode>General</c:formatCode>
                 <c:ptCount val="3"/>
                 <c:pt idx="0">
-                  <c:v>25</c:v>
+                  <c:v>27</c:v>
                 </c:pt>
                 <c:pt idx="1">
                   <c:v>8.3000000000000004E-2</c:v>
@@ -651,6 +651,136 @@
           <c:extLst>
             <c:ext xmlns:c16="http://schemas.microsoft.com/office/drawing/2014/chart" uri="{C3380CC4-5D6E-409C-BE32-E72D297353CC}">
               <c16:uniqueId val="{00000000-B71D-446E-A868-C870D3F35815}"/>
+            </c:ext>
+          </c:extLst>
+        </c:ser>
+        <c:ser>
+          <c:idx val="1"/>
+          <c:order val="1"/>
+          <c:tx>
+            <c:strRef>
+              <c:f>Blad1!$C$1</c:f>
+              <c:strCache>
+                <c:ptCount val="1"/>
+                <c:pt idx="0">
+                  <c:v>Sudoku 2</c:v>
+                </c:pt>
+              </c:strCache>
+            </c:strRef>
+          </c:tx>
+          <c:spPr>
+            <a:solidFill>
+              <a:schemeClr val="accent2"/>
+            </a:solidFill>
+            <a:ln>
+              <a:noFill/>
+            </a:ln>
+            <a:effectLst/>
+          </c:spPr>
+          <c:invertIfNegative val="0"/>
+          <c:cat>
+            <c:strRef>
+              <c:f>Blad1!$A$2:$A$4</c:f>
+              <c:strCache>
+                <c:ptCount val="3"/>
+                <c:pt idx="0">
+                  <c:v>Mens</c:v>
+                </c:pt>
+                <c:pt idx="1">
+                  <c:v>Backtracking</c:v>
+                </c:pt>
+                <c:pt idx="2">
+                  <c:v>Backtracking + forward checking</c:v>
+                </c:pt>
+              </c:strCache>
+            </c:strRef>
+          </c:cat>
+          <c:val>
+            <c:numRef>
+              <c:f>Blad1!$C$2:$C$4</c:f>
+              <c:numCache>
+                <c:formatCode>General</c:formatCode>
+                <c:ptCount val="3"/>
+                <c:pt idx="0">
+                  <c:v>45</c:v>
+                </c:pt>
+                <c:pt idx="1">
+                  <c:v>1.5</c:v>
+                </c:pt>
+                <c:pt idx="2">
+                  <c:v>2.5</c:v>
+                </c:pt>
+              </c:numCache>
+            </c:numRef>
+          </c:val>
+          <c:extLst>
+            <c:ext xmlns:c16="http://schemas.microsoft.com/office/drawing/2014/chart" uri="{C3380CC4-5D6E-409C-BE32-E72D297353CC}">
+              <c16:uniqueId val="{00000001-2A93-4BDA-8BC4-A984CB5EF92E}"/>
+            </c:ext>
+          </c:extLst>
+        </c:ser>
+        <c:ser>
+          <c:idx val="2"/>
+          <c:order val="2"/>
+          <c:tx>
+            <c:strRef>
+              <c:f>Blad1!$D$1</c:f>
+              <c:strCache>
+                <c:ptCount val="1"/>
+                <c:pt idx="0">
+                  <c:v>Sudoku 3</c:v>
+                </c:pt>
+              </c:strCache>
+            </c:strRef>
+          </c:tx>
+          <c:spPr>
+            <a:solidFill>
+              <a:schemeClr val="accent3"/>
+            </a:solidFill>
+            <a:ln>
+              <a:noFill/>
+            </a:ln>
+            <a:effectLst/>
+          </c:spPr>
+          <c:invertIfNegative val="0"/>
+          <c:cat>
+            <c:strRef>
+              <c:f>Blad1!$A$2:$A$4</c:f>
+              <c:strCache>
+                <c:ptCount val="3"/>
+                <c:pt idx="0">
+                  <c:v>Mens</c:v>
+                </c:pt>
+                <c:pt idx="1">
+                  <c:v>Backtracking</c:v>
+                </c:pt>
+                <c:pt idx="2">
+                  <c:v>Backtracking + forward checking</c:v>
+                </c:pt>
+              </c:strCache>
+            </c:strRef>
+          </c:cat>
+          <c:val>
+            <c:numRef>
+              <c:f>Blad1!$D$2:$D$4</c:f>
+              <c:numCache>
+                <c:formatCode>General</c:formatCode>
+                <c:ptCount val="3"/>
+                <c:pt idx="0">
+                  <c:v>23</c:v>
+                </c:pt>
+                <c:pt idx="1">
+                  <c:v>8.6833333333333294E-3</c:v>
+                </c:pt>
+                <c:pt idx="2">
+                  <c:v>3.08166666666666E-2</c:v>
+                </c:pt>
+              </c:numCache>
+            </c:numRef>
+          </c:val>
+          <c:extLst>
+            <c:ext xmlns:c16="http://schemas.microsoft.com/office/drawing/2014/chart" uri="{C3380CC4-5D6E-409C-BE32-E72D297353CC}">
+              <c16:uniqueId val="{00000002-2A93-4BDA-8BC4-A984CB5EF92E}"/>
             </c:ext>
           </c:extLst>
         </c:ser>
@@ -2107,7 +2237,7 @@
           <a:p>
             <a:fld id="{CED5EB08-5F19-4690-8BA3-AA99676FFE03}" type="datetimeFigureOut">
               <a:rPr lang="nl-NL" smtClean="0"/>
-              <a:t>12-5-2022</a:t>
+              <a:t>17-5-2022</a:t>
             </a:fld>
             <a:endParaRPr lang="nl-NL"/>
           </a:p>
@@ -2307,7 +2437,7 @@
           <a:p>
             <a:fld id="{CED5EB08-5F19-4690-8BA3-AA99676FFE03}" type="datetimeFigureOut">
               <a:rPr lang="nl-NL" smtClean="0"/>
-              <a:t>12-5-2022</a:t>
+              <a:t>17-5-2022</a:t>
             </a:fld>
             <a:endParaRPr lang="nl-NL"/>
           </a:p>
@@ -2517,7 +2647,7 @@
           <a:p>
             <a:fld id="{CED5EB08-5F19-4690-8BA3-AA99676FFE03}" type="datetimeFigureOut">
               <a:rPr lang="nl-NL" smtClean="0"/>
-              <a:t>12-5-2022</a:t>
+              <a:t>17-5-2022</a:t>
             </a:fld>
             <a:endParaRPr lang="nl-NL"/>
           </a:p>
@@ -2808,7 +2938,7 @@
           <a:p>
             <a:fld id="{CED5EB08-5F19-4690-8BA3-AA99676FFE03}" type="datetimeFigureOut">
               <a:rPr lang="nl-NL" smtClean="0"/>
-              <a:t>12-5-2022</a:t>
+              <a:t>17-5-2022</a:t>
             </a:fld>
             <a:endParaRPr lang="nl-NL"/>
           </a:p>
@@ -3084,7 +3214,7 @@
           <a:p>
             <a:fld id="{CED5EB08-5F19-4690-8BA3-AA99676FFE03}" type="datetimeFigureOut">
               <a:rPr lang="nl-NL" smtClean="0"/>
-              <a:t>12-5-2022</a:t>
+              <a:t>17-5-2022</a:t>
             </a:fld>
             <a:endParaRPr lang="nl-NL"/>
           </a:p>
@@ -3352,7 +3482,7 @@
           <a:p>
             <a:fld id="{CED5EB08-5F19-4690-8BA3-AA99676FFE03}" type="datetimeFigureOut">
               <a:rPr lang="nl-NL" smtClean="0"/>
-              <a:t>12-5-2022</a:t>
+              <a:t>17-5-2022</a:t>
             </a:fld>
             <a:endParaRPr lang="nl-NL"/>
           </a:p>
@@ -3767,7 +3897,7 @@
           <a:p>
             <a:fld id="{CED5EB08-5F19-4690-8BA3-AA99676FFE03}" type="datetimeFigureOut">
               <a:rPr lang="nl-NL" smtClean="0"/>
-              <a:t>12-5-2022</a:t>
+              <a:t>17-5-2022</a:t>
             </a:fld>
             <a:endParaRPr lang="nl-NL"/>
           </a:p>
@@ -3909,7 +4039,7 @@
           <a:p>
             <a:fld id="{CED5EB08-5F19-4690-8BA3-AA99676FFE03}" type="datetimeFigureOut">
               <a:rPr lang="nl-NL" smtClean="0"/>
-              <a:t>12-5-2022</a:t>
+              <a:t>17-5-2022</a:t>
             </a:fld>
             <a:endParaRPr lang="nl-NL"/>
           </a:p>
@@ -4022,7 +4152,7 @@
           <a:p>
             <a:fld id="{CED5EB08-5F19-4690-8BA3-AA99676FFE03}" type="datetimeFigureOut">
               <a:rPr lang="nl-NL" smtClean="0"/>
-              <a:t>12-5-2022</a:t>
+              <a:t>17-5-2022</a:t>
             </a:fld>
             <a:endParaRPr lang="nl-NL"/>
           </a:p>
@@ -4335,7 +4465,7 @@
           <a:p>
             <a:fld id="{CED5EB08-5F19-4690-8BA3-AA99676FFE03}" type="datetimeFigureOut">
               <a:rPr lang="nl-NL" smtClean="0"/>
-              <a:t>12-5-2022</a:t>
+              <a:t>17-5-2022</a:t>
             </a:fld>
             <a:endParaRPr lang="nl-NL"/>
           </a:p>
@@ -4624,7 +4754,7 @@
           <a:p>
             <a:fld id="{CED5EB08-5F19-4690-8BA3-AA99676FFE03}" type="datetimeFigureOut">
               <a:rPr lang="nl-NL" smtClean="0"/>
-              <a:t>12-5-2022</a:t>
+              <a:t>17-5-2022</a:t>
             </a:fld>
             <a:endParaRPr lang="nl-NL"/>
           </a:p>
@@ -4867,7 +4997,7 @@
           <a:p>
             <a:fld id="{CED5EB08-5F19-4690-8BA3-AA99676FFE03}" type="datetimeFigureOut">
               <a:rPr lang="nl-NL" smtClean="0"/>
-              <a:t>12-5-2022</a:t>
+              <a:t>17-5-2022</a:t>
             </a:fld>
             <a:endParaRPr lang="nl-NL"/>
           </a:p>
@@ -5851,7 +5981,7 @@
                 <a:ea typeface="+mn-ea"/>
                 <a:cs typeface="+mn-cs"/>
               </a:rPr>
-              <a:t>Zinnen: </a:t>
+              <a:t>Classificatie is voor alle algoritme hetzelfde</a:t>
             </a:r>
           </a:p>
           <a:p>
@@ -5879,27 +6009,8 @@
                 </a:solidFill>
                 <a:latin typeface="Verdana"/>
               </a:rPr>
-              <a:t>Woorden: </a:t>
-            </a:r>
-          </a:p>
-          <a:p>
-            <a:pPr marL="285750" marR="0" lvl="0" indent="-285750" algn="l" defTabSz="914400" rtl="0" eaLnBrk="1" fontAlgn="auto" latinLnBrk="0" hangingPunct="1">
-              <a:lnSpc>
-                <a:spcPct val="90000"/>
-              </a:lnSpc>
-              <a:spcBef>
-                <a:spcPts val="1000"/>
-              </a:spcBef>
-              <a:spcAft>
-                <a:spcPts val="0"/>
-              </a:spcAft>
-              <a:buClrTx/>
-              <a:buSzTx/>
-              <a:buFont typeface="Arial" panose="020B0604020202020204" pitchFamily="34" charset="0"/>
-              <a:buChar char="•"/>
-              <a:tabLst/>
-              <a:defRPr/>
-            </a:pPr>
+              <a:t>Wel onderling verschil</a:t>
+            </a:r>
             <a:r>
               <a:rPr kumimoji="0" lang="nl-NL" sz="1400" b="0" i="0" u="none" strike="noStrike" kern="1200" cap="none" spc="0" normalizeH="0" baseline="0" noProof="0" dirty="0">
                 <a:ln>
@@ -5915,41 +6026,8 @@
                 <a:ea typeface="+mn-ea"/>
                 <a:cs typeface="+mn-cs"/>
               </a:rPr>
-              <a:t>Woorden exclusief neutrale woorden: </a:t>
-            </a:r>
-          </a:p>
-          <a:p>
-            <a:pPr marL="0" marR="0" lvl="0" indent="0" algn="l" defTabSz="914400" rtl="0" eaLnBrk="1" fontAlgn="auto" latinLnBrk="0" hangingPunct="1">
-              <a:lnSpc>
-                <a:spcPct val="90000"/>
-              </a:lnSpc>
-              <a:spcBef>
-                <a:spcPts val="1000"/>
-              </a:spcBef>
-              <a:spcAft>
-                <a:spcPts val="0"/>
-              </a:spcAft>
-              <a:buClrTx/>
-              <a:buSzTx/>
-              <a:buFont typeface="Arial" panose="020B0604020202020204" pitchFamily="34" charset="0"/>
-              <a:buNone/>
-              <a:tabLst/>
-              <a:defRPr/>
-            </a:pPr>
-            <a:endParaRPr kumimoji="0" lang="nl-NL" sz="1400" b="0" i="0" u="none" strike="noStrike" kern="1200" cap="none" spc="0" normalizeH="0" baseline="0" noProof="0" dirty="0">
-              <a:ln>
-                <a:noFill/>
-              </a:ln>
-              <a:solidFill>
-                <a:srgbClr val="151515"/>
-              </a:solidFill>
-              <a:effectLst/>
-              <a:uLnTx/>
-              <a:uFillTx/>
-              <a:latin typeface="Verdana"/>
-              <a:ea typeface="+mn-ea"/>
-              <a:cs typeface="+mn-cs"/>
-            </a:endParaRPr>
+              <a:t> in de hoogte van de compound score</a:t>
+            </a:r>
           </a:p>
           <a:p>
             <a:pPr marL="0" marR="0" lvl="0" indent="0" algn="l" defTabSz="914400" rtl="0" eaLnBrk="1" fontAlgn="auto" latinLnBrk="0" hangingPunct="1">
@@ -7320,7 +7398,7 @@
         </p:spPr>
         <p:txBody>
           <a:bodyPr vert="horz" wrap="square" lIns="91440" tIns="45720" rIns="91440" bIns="45720" numCol="1" anchor="t" anchorCtr="0" compatLnSpc="1">
-            <a:normAutofit/>
+            <a:normAutofit lnSpcReduction="10000"/>
           </a:bodyPr>
           <a:lstStyle>
             <a:lvl1pPr marL="0" indent="0" algn="l" defTabSz="914400" rtl="0" eaLnBrk="1" latinLnBrk="0" hangingPunct="1">
@@ -7547,7 +7625,7 @@
                 </a:solidFill>
                 <a:latin typeface="Verdana"/>
               </a:rPr>
-              <a:t>Mens: 25 minuten</a:t>
+              <a:t>Mens: Baseline</a:t>
             </a:r>
           </a:p>
           <a:p>
@@ -7583,7 +7661,7 @@
                 <a:ea typeface="+mn-ea"/>
                 <a:cs typeface="+mn-cs"/>
               </a:rPr>
-              <a:t>Brute force: Niet opgelost binnen 30 minuten</a:t>
+              <a:t>Brute force: Niet opgelost binnen 30 minuten ( sloomste algoritme)</a:t>
             </a:r>
           </a:p>
           <a:p>
@@ -7611,7 +7689,25 @@
                 </a:solidFill>
                 <a:latin typeface="Verdana"/>
               </a:rPr>
-              <a:t>Backtracking: 5 tot 7 seconden</a:t>
+              <a:t>Backtracking: Helft van de tijd van Backtracking met forward </a:t>
+            </a:r>
+            <a:r>
+              <a:rPr lang="nl-NL" dirty="0" err="1">
+                <a:solidFill>
+                  <a:srgbClr val="151515"/>
+                </a:solidFill>
+                <a:latin typeface="Verdana"/>
+              </a:rPr>
+              <a:t>checking</a:t>
+            </a:r>
+            <a:r>
+              <a:rPr lang="nl-NL" dirty="0">
+                <a:solidFill>
+                  <a:srgbClr val="151515"/>
+                </a:solidFill>
+                <a:latin typeface="Verdana"/>
+              </a:rPr>
+              <a:t> (snelste algoritme)</a:t>
             </a:r>
           </a:p>
           <a:p>
@@ -7681,41 +7777,8 @@
                 <a:ea typeface="+mn-ea"/>
                 <a:cs typeface="+mn-cs"/>
               </a:rPr>
-              <a:t>: 10 tot 12 seconden</a:t>
-            </a:r>
-          </a:p>
-          <a:p>
-            <a:pPr marL="0" marR="0" lvl="0" indent="0" algn="l" defTabSz="914400" rtl="0" eaLnBrk="1" fontAlgn="auto" latinLnBrk="0" hangingPunct="1">
-              <a:lnSpc>
-                <a:spcPct val="90000"/>
-              </a:lnSpc>
-              <a:spcBef>
-                <a:spcPts val="1000"/>
-              </a:spcBef>
-              <a:spcAft>
-                <a:spcPts val="0"/>
-              </a:spcAft>
-              <a:buClrTx/>
-              <a:buSzTx/>
-              <a:buFont typeface="Arial" panose="020B0604020202020204" pitchFamily="34" charset="0"/>
-              <a:buNone/>
-              <a:tabLst/>
-              <a:defRPr/>
-            </a:pPr>
-            <a:endParaRPr kumimoji="0" lang="nl-NL" sz="1400" b="0" i="0" u="none" strike="noStrike" kern="1200" cap="none" spc="0" normalizeH="0" baseline="0" noProof="0" dirty="0">
-              <a:ln>
-                <a:noFill/>
-              </a:ln>
-              <a:solidFill>
-                <a:srgbClr val="151515"/>
-              </a:solidFill>
-              <a:effectLst/>
-              <a:uLnTx/>
-              <a:uFillTx/>
-              <a:latin typeface="Verdana"/>
-              <a:ea typeface="+mn-ea"/>
-              <a:cs typeface="+mn-cs"/>
-            </a:endParaRPr>
+              <a:t>: Gemiddeld snel algoritme (mogelijk sloom door veel memory gebruik)</a:t>
+            </a:r>
           </a:p>
           <a:p>
             <a:pPr marL="0" marR="0" lvl="0" indent="0" algn="l" defTabSz="914400" rtl="0" eaLnBrk="1" fontAlgn="auto" latinLnBrk="0" hangingPunct="1">
@@ -8263,7 +8326,7 @@
           <p:nvPr>
             <p:extLst>
               <p:ext uri="{D42A27DB-BD31-4B8C-83A1-F6EECF244321}">
-                <p14:modId xmlns:p14="http://schemas.microsoft.com/office/powerpoint/2010/main" val="2657194611"/>
+                <p14:modId xmlns:p14="http://schemas.microsoft.com/office/powerpoint/2010/main" val="970677369"/>
               </p:ext>
             </p:extLst>
           </p:nvPr>
@@ -8321,7 +8384,7 @@
     </p:spTree>
     <p:extLst>
       <p:ext uri="{BB962C8B-B14F-4D97-AF65-F5344CB8AC3E}">
-        <p14:creationId xmlns:p14="http://schemas.microsoft.com/office/powerpoint/2010/main" val="2116301184"/>
+        <p14:creationId xmlns:p14="http://schemas.microsoft.com/office/powerpoint/2010/main" val="1377591720"/>
       </p:ext>
     </p:extLst>
   </p:cSld>
